--- a/hcc spike.pptx
+++ b/hcc spike.pptx
@@ -11,8 +11,8 @@
     <p:handoutMasterId r:id="rId5"/>
   </p:handoutMasterIdLst>
   <p:sldIdLst>
-    <p:sldId id="327" r:id="rId2"/>
-    <p:sldId id="328" r:id="rId3"/>
+    <p:sldId id="329" r:id="rId2"/>
+    <p:sldId id="330" r:id="rId3"/>
   </p:sldIdLst>
   <p:sldSz cx="12192000" cy="6858000"/>
   <p:notesSz cx="9144000" cy="6858000"/>
@@ -116,8 +116,8 @@
       <p14:sectionLst xmlns:p14="http://schemas.microsoft.com/office/powerpoint/2010/main">
         <p14:section name="Default Section" id="{7D116F72-6A41-4784-A639-A4A6673DE441}">
           <p14:sldIdLst>
-            <p14:sldId id="327"/>
-            <p14:sldId id="328"/>
+            <p14:sldId id="329"/>
+            <p14:sldId id="330"/>
           </p14:sldIdLst>
         </p14:section>
         <p14:section name="Untitled Section" id="{3E8F25A2-402E-4F8E-B076-DF88BDE5F303}">
@@ -4770,25 +4770,199 @@
           <a:chExt cx="0" cy="0"/>
         </a:xfrm>
       </p:grpSpPr>
-      <p:sp>
-        <p:nvSpPr>
-          <p:cNvPr id="2" name="Title 1"/>
-          <p:cNvSpPr>
-            <a:spLocks noGrp="1"/>
-          </p:cNvSpPr>
-          <p:nvPr>
-            <p:ph type="ctrTitle"/>
-          </p:nvPr>
-        </p:nvSpPr>
-        <p:spPr/>
-        <p:txBody>
-          <a:bodyPr>
-            <a:normAutofit/>
+      <p:pic>
+        <p:nvPicPr>
+          <p:cNvPr id="10" name="Picture 9"/>
+          <p:cNvPicPr>
+            <a:picLocks noChangeAspect="1"/>
+          </p:cNvPicPr>
+          <p:nvPr/>
+        </p:nvPicPr>
+        <p:blipFill>
+          <a:blip r:embed="rId2"/>
+          <a:stretch>
+            <a:fillRect/>
+          </a:stretch>
+        </p:blipFill>
+        <p:spPr>
+          <a:xfrm>
+            <a:off x="516564" y="936382"/>
+            <a:ext cx="4938703" cy="5583114"/>
+          </a:xfrm>
+          <a:prstGeom prst="rect">
+            <a:avLst/>
+          </a:prstGeom>
+        </p:spPr>
+      </p:pic>
+      <p:pic>
+        <p:nvPicPr>
+          <p:cNvPr id="11" name="Picture 10"/>
+          <p:cNvPicPr>
+            <a:picLocks noChangeAspect="1"/>
+          </p:cNvPicPr>
+          <p:nvPr/>
+        </p:nvPicPr>
+        <p:blipFill>
+          <a:blip r:embed="rId3"/>
+          <a:stretch>
+            <a:fillRect/>
+          </a:stretch>
+        </p:blipFill>
+        <p:spPr>
+          <a:xfrm>
+            <a:off x="6102398" y="1002323"/>
+            <a:ext cx="5193680" cy="5517173"/>
+          </a:xfrm>
+          <a:prstGeom prst="rect">
+            <a:avLst/>
+          </a:prstGeom>
+        </p:spPr>
+      </p:pic>
+      <p:pic>
+        <p:nvPicPr>
+          <p:cNvPr id="2" name="Picture 1"/>
+          <p:cNvPicPr>
+            <a:picLocks noChangeAspect="1"/>
+          </p:cNvPicPr>
+          <p:nvPr/>
+        </p:nvPicPr>
+        <p:blipFill>
+          <a:blip r:embed="rId4"/>
+          <a:stretch>
+            <a:fillRect/>
+          </a:stretch>
+        </p:blipFill>
+        <p:spPr>
+          <a:xfrm>
+            <a:off x="5792892" y="1002323"/>
+            <a:ext cx="5812691" cy="5339494"/>
+          </a:xfrm>
+          <a:prstGeom prst="rect">
+            <a:avLst/>
+          </a:prstGeom>
+        </p:spPr>
+      </p:pic>
+      <p:pic>
+        <p:nvPicPr>
+          <p:cNvPr id="3" name="Picture 2"/>
+          <p:cNvPicPr>
+            <a:picLocks noChangeAspect="1"/>
+          </p:cNvPicPr>
+          <p:nvPr/>
+        </p:nvPicPr>
+        <p:blipFill>
+          <a:blip r:embed="rId5"/>
+          <a:stretch>
+            <a:fillRect/>
+          </a:stretch>
+        </p:blipFill>
+        <p:spPr>
+          <a:xfrm>
+            <a:off x="516564" y="936382"/>
+            <a:ext cx="4938703" cy="5583114"/>
+          </a:xfrm>
+          <a:prstGeom prst="rect">
+            <a:avLst/>
+          </a:prstGeom>
+        </p:spPr>
+      </p:pic>
+      <p:pic>
+        <p:nvPicPr>
+          <p:cNvPr id="5" name="Picture 4"/>
+          <p:cNvPicPr>
+            <a:picLocks noChangeAspect="1"/>
+          </p:cNvPicPr>
+          <p:nvPr/>
+        </p:nvPicPr>
+        <p:blipFill>
+          <a:blip r:embed="rId6"/>
+          <a:stretch>
+            <a:fillRect/>
+          </a:stretch>
+        </p:blipFill>
+        <p:spPr>
+          <a:xfrm>
+            <a:off x="5764773" y="1002322"/>
+            <a:ext cx="5911412" cy="5517173"/>
+          </a:xfrm>
+          <a:prstGeom prst="rect">
+            <a:avLst/>
+          </a:prstGeom>
+        </p:spPr>
+      </p:pic>
+      <p:pic>
+        <p:nvPicPr>
+          <p:cNvPr id="4" name="Picture 3"/>
+          <p:cNvPicPr>
+            <a:picLocks noChangeAspect="1"/>
+          </p:cNvPicPr>
+          <p:nvPr/>
+        </p:nvPicPr>
+        <p:blipFill>
+          <a:blip r:embed="rId7"/>
+          <a:stretch>
+            <a:fillRect/>
+          </a:stretch>
+        </p:blipFill>
+        <p:spPr>
+          <a:xfrm>
+            <a:off x="516564" y="936382"/>
+            <a:ext cx="5040174" cy="5583113"/>
+          </a:xfrm>
+          <a:prstGeom prst="rect">
+            <a:avLst/>
+          </a:prstGeom>
+        </p:spPr>
+      </p:pic>
+      <p:pic>
+        <p:nvPicPr>
+          <p:cNvPr id="6" name="Picture 5"/>
+          <p:cNvPicPr>
+            <a:picLocks noChangeAspect="1"/>
+          </p:cNvPicPr>
+          <p:nvPr/>
+        </p:nvPicPr>
+        <p:blipFill>
+          <a:blip r:embed="rId8"/>
+          <a:stretch>
+            <a:fillRect/>
+          </a:stretch>
+        </p:blipFill>
+        <p:spPr>
+          <a:xfrm>
+            <a:off x="5749338" y="850289"/>
+            <a:ext cx="5942281" cy="5643562"/>
+          </a:xfrm>
+          <a:prstGeom prst="rect">
+            <a:avLst/>
+          </a:prstGeom>
+        </p:spPr>
+      </p:pic>
+      <p:sp>
+        <p:nvSpPr>
+          <p:cNvPr id="9" name="TextBox 8"/>
+          <p:cNvSpPr txBox="1"/>
+          <p:nvPr/>
+        </p:nvSpPr>
+        <p:spPr>
+          <a:xfrm>
+            <a:off x="1160585" y="351692"/>
+            <a:ext cx="3261946" cy="369332"/>
+          </a:xfrm>
+          <a:prstGeom prst="rect">
+            <a:avLst/>
+          </a:prstGeom>
+          <a:noFill/>
+        </p:spPr>
+        <p:txBody>
+          <a:bodyPr wrap="square" rtlCol="0">
+            <a:spAutoFit/>
           </a:bodyPr>
           <a:lstStyle/>
           <a:p>
-            <a:r>
-              <a:rPr lang="en-IN" b="1" dirty="0">
+            <a:pPr algn="ctr"/>
+            <a:r>
+              <a:rPr lang="en-US" b="1" dirty="0" err="1">
                 <a:effectLst>
                   <a:outerShdw blurRad="38100" dist="38100" dir="2700000" algn="tl">
                     <a:srgbClr val="000000">
@@ -4797,10 +4971,45 @@
                   </a:outerShdw>
                 </a:effectLst>
               </a:rPr>
-              <a:t>Spike testing of</a:t>
-            </a:r>
-            <a:br>
-              <a:rPr lang="en-IN" b="1" dirty="0">
+              <a:t>Config</a:t>
+            </a:r>
+            <a:endParaRPr lang="en-IN" b="1" dirty="0">
+              <a:effectLst>
+                <a:outerShdw blurRad="38100" dist="38100" dir="2700000" algn="tl">
+                  <a:srgbClr val="000000">
+                    <a:alpha val="43137"/>
+                  </a:srgbClr>
+                </a:outerShdw>
+              </a:effectLst>
+            </a:endParaRPr>
+          </a:p>
+        </p:txBody>
+      </p:sp>
+      <p:sp>
+        <p:nvSpPr>
+          <p:cNvPr id="12" name="TextBox 11"/>
+          <p:cNvSpPr txBox="1"/>
+          <p:nvPr/>
+        </p:nvSpPr>
+        <p:spPr>
+          <a:xfrm>
+            <a:off x="7068265" y="351692"/>
+            <a:ext cx="3261946" cy="369332"/>
+          </a:xfrm>
+          <a:prstGeom prst="rect">
+            <a:avLst/>
+          </a:prstGeom>
+          <a:noFill/>
+        </p:spPr>
+        <p:txBody>
+          <a:bodyPr wrap="square" rtlCol="0">
+            <a:spAutoFit/>
+          </a:bodyPr>
+          <a:lstStyle/>
+          <a:p>
+            <a:pPr algn="ctr"/>
+            <a:r>
+              <a:rPr lang="en-US" b="1" dirty="0">
                 <a:effectLst>
                   <a:outerShdw blurRad="38100" dist="38100" dir="2700000" algn="tl">
                     <a:srgbClr val="000000">
@@ -4809,45 +5018,120 @@
                   </a:outerShdw>
                 </a:effectLst>
               </a:rPr>
-            </a:br>
-            <a:r>
-              <a:rPr lang="en-IN" b="1" dirty="0">
-                <a:effectLst>
-                  <a:outerShdw blurRad="38100" dist="38100" dir="2700000" algn="tl">
-                    <a:srgbClr val="000000">
-                      <a:alpha val="43137"/>
-                    </a:srgbClr>
-                  </a:outerShdw>
-                </a:effectLst>
-              </a:rPr>
-              <a:t>www.hccreference.com</a:t>
-            </a:r>
-          </a:p>
-        </p:txBody>
-      </p:sp>
-      <p:sp>
-        <p:nvSpPr>
-          <p:cNvPr id="3" name="Subtitle 2"/>
-          <p:cNvSpPr>
-            <a:spLocks noGrp="1"/>
-          </p:cNvSpPr>
-          <p:nvPr>
-            <p:ph type="subTitle" idx="1"/>
-          </p:nvPr>
-        </p:nvSpPr>
-        <p:spPr/>
-        <p:txBody>
-          <a:bodyPr/>
-          <a:lstStyle/>
-          <a:p>
-            <a:endParaRPr lang="en-IN"/>
-          </a:p>
-        </p:txBody>
-      </p:sp>
+              <a:t>Summary of Testing </a:t>
+            </a:r>
+            <a:endParaRPr lang="en-IN" b="1" dirty="0">
+              <a:effectLst>
+                <a:outerShdw blurRad="38100" dist="38100" dir="2700000" algn="tl">
+                  <a:srgbClr val="000000">
+                    <a:alpha val="43137"/>
+                  </a:srgbClr>
+                </a:outerShdw>
+              </a:effectLst>
+            </a:endParaRPr>
+          </a:p>
+        </p:txBody>
+      </p:sp>
+      <p:pic>
+        <p:nvPicPr>
+          <p:cNvPr id="7" name="Picture 6"/>
+          <p:cNvPicPr>
+            <a:picLocks noChangeAspect="1"/>
+          </p:cNvPicPr>
+          <p:nvPr/>
+        </p:nvPicPr>
+        <p:blipFill>
+          <a:blip r:embed="rId9"/>
+          <a:stretch>
+            <a:fillRect/>
+          </a:stretch>
+        </p:blipFill>
+        <p:spPr>
+          <a:xfrm>
+            <a:off x="5749337" y="873057"/>
+            <a:ext cx="5959115" cy="5620794"/>
+          </a:xfrm>
+          <a:prstGeom prst="rect">
+            <a:avLst/>
+          </a:prstGeom>
+        </p:spPr>
+      </p:pic>
+      <p:pic>
+        <p:nvPicPr>
+          <p:cNvPr id="8" name="Picture 7"/>
+          <p:cNvPicPr>
+            <a:picLocks noChangeAspect="1"/>
+          </p:cNvPicPr>
+          <p:nvPr/>
+        </p:nvPicPr>
+        <p:blipFill>
+          <a:blip r:embed="rId10"/>
+          <a:stretch>
+            <a:fillRect/>
+          </a:stretch>
+        </p:blipFill>
+        <p:spPr>
+          <a:xfrm>
+            <a:off x="498446" y="936382"/>
+            <a:ext cx="4984941" cy="5557470"/>
+          </a:xfrm>
+          <a:prstGeom prst="rect">
+            <a:avLst/>
+          </a:prstGeom>
+        </p:spPr>
+      </p:pic>
+      <p:pic>
+        <p:nvPicPr>
+          <p:cNvPr id="14" name="Picture 13"/>
+          <p:cNvPicPr>
+            <a:picLocks noChangeAspect="1"/>
+          </p:cNvPicPr>
+          <p:nvPr/>
+        </p:nvPicPr>
+        <p:blipFill>
+          <a:blip r:embed="rId11"/>
+          <a:stretch>
+            <a:fillRect/>
+          </a:stretch>
+        </p:blipFill>
+        <p:spPr>
+          <a:xfrm>
+            <a:off x="516565" y="910738"/>
+            <a:ext cx="4994942" cy="5583113"/>
+          </a:xfrm>
+          <a:prstGeom prst="rect">
+            <a:avLst/>
+          </a:prstGeom>
+        </p:spPr>
+      </p:pic>
+      <p:pic>
+        <p:nvPicPr>
+          <p:cNvPr id="15" name="Picture 14"/>
+          <p:cNvPicPr>
+            <a:picLocks noChangeAspect="1"/>
+          </p:cNvPicPr>
+          <p:nvPr/>
+        </p:nvPicPr>
+        <p:blipFill>
+          <a:blip r:embed="rId12"/>
+          <a:stretch>
+            <a:fillRect/>
+          </a:stretch>
+        </p:blipFill>
+        <p:spPr>
+          <a:xfrm>
+            <a:off x="5747939" y="847413"/>
+            <a:ext cx="5928245" cy="5646438"/>
+          </a:xfrm>
+          <a:prstGeom prst="rect">
+            <a:avLst/>
+          </a:prstGeom>
+        </p:spPr>
+      </p:pic>
     </p:spTree>
     <p:extLst>
       <p:ext uri="{BB962C8B-B14F-4D97-AF65-F5344CB8AC3E}">
-        <p14:creationId xmlns:p14="http://schemas.microsoft.com/office/powerpoint/2010/main" val="3215481397"/>
+        <p14:creationId xmlns:p14="http://schemas.microsoft.com/office/powerpoint/2010/main" val="3732780793"/>
       </p:ext>
     </p:extLst>
   </p:cSld>
@@ -5196,83 +5480,106 @@
           </a:prstGeom>
         </p:spPr>
       </p:pic>
-      <p:sp>
-        <p:nvSpPr>
-          <p:cNvPr id="13" name="Rectangle 12"/>
-          <p:cNvSpPr/>
+      <p:pic>
+        <p:nvPicPr>
+          <p:cNvPr id="14" name="Picture 13"/>
+          <p:cNvPicPr>
+            <a:picLocks noChangeAspect="1"/>
+          </p:cNvPicPr>
           <p:nvPr/>
-        </p:nvSpPr>
+        </p:nvPicPr>
+        <p:blipFill>
+          <a:blip r:embed="rId11"/>
+          <a:stretch>
+            <a:fillRect/>
+          </a:stretch>
+        </p:blipFill>
         <p:spPr>
           <a:xfrm>
-            <a:off x="4585436" y="4975387"/>
-            <a:ext cx="4242310" cy="812962"/>
+            <a:off x="516565" y="910738"/>
+            <a:ext cx="4994942" cy="5583113"/>
           </a:xfrm>
           <a:prstGeom prst="rect">
             <a:avLst/>
           </a:prstGeom>
         </p:spPr>
-        <p:style>
-          <a:lnRef idx="2">
-            <a:schemeClr val="accent1">
-              <a:shade val="50000"/>
-            </a:schemeClr>
-          </a:lnRef>
-          <a:fillRef idx="1">
-            <a:schemeClr val="accent1"/>
-          </a:fillRef>
-          <a:effectRef idx="0">
-            <a:schemeClr val="accent1"/>
-          </a:effectRef>
-          <a:fontRef idx="minor">
-            <a:schemeClr val="lt1"/>
-          </a:fontRef>
-        </p:style>
-        <p:txBody>
-          <a:bodyPr rtlCol="0" anchor="ctr"/>
-          <a:lstStyle/>
-          <a:p>
-            <a:pPr algn="ctr"/>
-            <a:r>
-              <a:rPr lang="en-IN" dirty="0">
-                <a:latin typeface="Times New Roman" panose="02020603050405020304" pitchFamily="18" charset="0"/>
-                <a:cs typeface="Times New Roman" panose="02020603050405020304" pitchFamily="18" charset="0"/>
-              </a:rPr>
-              <a:t>Success Rate= 82.1% ((1724/2100)*100)</a:t>
-            </a:r>
-          </a:p>
-          <a:p>
-            <a:pPr algn="ctr"/>
-            <a:r>
-              <a:rPr lang="en-US" dirty="0">
-                <a:latin typeface="Times New Roman" panose="02020603050405020304" pitchFamily="18" charset="0"/>
-                <a:cs typeface="Times New Roman" panose="02020603050405020304" pitchFamily="18" charset="0"/>
-              </a:rPr>
-              <a:t>Error Rate=17.9% </a:t>
-            </a:r>
-            <a:r>
-              <a:rPr lang="en-IN" dirty="0">
-                <a:latin typeface="Times New Roman" panose="02020603050405020304" pitchFamily="18" charset="0"/>
-                <a:cs typeface="Times New Roman" panose="02020603050405020304" pitchFamily="18" charset="0"/>
-              </a:rPr>
-              <a:t>((376/2100)*100)</a:t>
-            </a:r>
-          </a:p>
-          <a:p>
-            <a:pPr algn="ctr"/>
-            <a:r>
-              <a:rPr lang="en-IN" dirty="0">
-                <a:latin typeface="Times New Roman" panose="02020603050405020304" pitchFamily="18" charset="0"/>
-                <a:cs typeface="Times New Roman" panose="02020603050405020304" pitchFamily="18" charset="0"/>
-              </a:rPr>
-              <a:t>Response Time=2 sec</a:t>
-            </a:r>
-          </a:p>
-        </p:txBody>
-      </p:sp>
+      </p:pic>
+      <p:pic>
+        <p:nvPicPr>
+          <p:cNvPr id="15" name="Picture 14"/>
+          <p:cNvPicPr>
+            <a:picLocks noChangeAspect="1"/>
+          </p:cNvPicPr>
+          <p:nvPr/>
+        </p:nvPicPr>
+        <p:blipFill>
+          <a:blip r:embed="rId12"/>
+          <a:stretch>
+            <a:fillRect/>
+          </a:stretch>
+        </p:blipFill>
+        <p:spPr>
+          <a:xfrm>
+            <a:off x="5747939" y="847413"/>
+            <a:ext cx="5928245" cy="5646438"/>
+          </a:xfrm>
+          <a:prstGeom prst="rect">
+            <a:avLst/>
+          </a:prstGeom>
+        </p:spPr>
+      </p:pic>
+      <p:pic>
+        <p:nvPicPr>
+          <p:cNvPr id="13" name="Picture 12"/>
+          <p:cNvPicPr>
+            <a:picLocks noChangeAspect="1"/>
+          </p:cNvPicPr>
+          <p:nvPr/>
+        </p:nvPicPr>
+        <p:blipFill>
+          <a:blip r:embed="rId13"/>
+          <a:stretch>
+            <a:fillRect/>
+          </a:stretch>
+        </p:blipFill>
+        <p:spPr>
+          <a:xfrm>
+            <a:off x="476965" y="936381"/>
+            <a:ext cx="5006422" cy="5557470"/>
+          </a:xfrm>
+          <a:prstGeom prst="rect">
+            <a:avLst/>
+          </a:prstGeom>
+        </p:spPr>
+      </p:pic>
+      <p:pic>
+        <p:nvPicPr>
+          <p:cNvPr id="17" name="Picture 16"/>
+          <p:cNvPicPr>
+            <a:picLocks noChangeAspect="1"/>
+          </p:cNvPicPr>
+          <p:nvPr/>
+        </p:nvPicPr>
+        <p:blipFill>
+          <a:blip r:embed="rId14"/>
+          <a:stretch>
+            <a:fillRect/>
+          </a:stretch>
+        </p:blipFill>
+        <p:spPr>
+          <a:xfrm>
+            <a:off x="5747938" y="873056"/>
+            <a:ext cx="5928246" cy="5620795"/>
+          </a:xfrm>
+          <a:prstGeom prst="rect">
+            <a:avLst/>
+          </a:prstGeom>
+        </p:spPr>
+      </p:pic>
     </p:spTree>
     <p:extLst>
       <p:ext uri="{BB962C8B-B14F-4D97-AF65-F5344CB8AC3E}">
-        <p14:creationId xmlns:p14="http://schemas.microsoft.com/office/powerpoint/2010/main" val="2083461396"/>
+        <p14:creationId xmlns:p14="http://schemas.microsoft.com/office/powerpoint/2010/main" val="775535681"/>
       </p:ext>
     </p:extLst>
   </p:cSld>

--- a/hcc spike.pptx
+++ b/hcc spike.pptx
@@ -5,14 +5,15 @@
     <p:sldMasterId id="2147483672" r:id="rId1"/>
   </p:sldMasterIdLst>
   <p:notesMasterIdLst>
-    <p:notesMasterId r:id="rId4"/>
+    <p:notesMasterId r:id="rId5"/>
   </p:notesMasterIdLst>
   <p:handoutMasterIdLst>
-    <p:handoutMasterId r:id="rId5"/>
+    <p:handoutMasterId r:id="rId6"/>
   </p:handoutMasterIdLst>
   <p:sldIdLst>
     <p:sldId id="329" r:id="rId2"/>
     <p:sldId id="330" r:id="rId3"/>
+    <p:sldId id="331" r:id="rId4"/>
   </p:sldIdLst>
   <p:sldSz cx="12192000" cy="6858000"/>
   <p:notesSz cx="9144000" cy="6858000"/>
@@ -118,6 +119,7 @@
           <p14:sldIdLst>
             <p14:sldId id="329"/>
             <p14:sldId id="330"/>
+            <p14:sldId id="331"/>
           </p14:sldIdLst>
         </p14:section>
         <p14:section name="Untitled Section" id="{3E8F25A2-402E-4F8E-B076-DF88BDE5F303}">
@@ -225,7 +227,7 @@
           <a:p>
             <a:fld id="{148847AE-2836-4DD7-9063-1A3847D54657}" type="datetimeFigureOut">
               <a:rPr lang="en-IN" smtClean="0"/>
-              <a:t>26-12-2023</a:t>
+              <a:t>27-12-2023</a:t>
             </a:fld>
             <a:endParaRPr lang="en-IN"/>
           </a:p>
@@ -390,7 +392,7 @@
           <a:p>
             <a:fld id="{7F276548-B06F-49BD-B481-5042488E3422}" type="datetimeFigureOut">
               <a:rPr lang="en-IN" smtClean="0"/>
-              <a:t>26-12-2023</a:t>
+              <a:t>27-12-2023</a:t>
             </a:fld>
             <a:endParaRPr lang="en-IN"/>
           </a:p>
@@ -868,7 +870,7 @@
           <a:p>
             <a:fld id="{92622B4B-F6D7-4ED0-BDE1-EB881C8FD822}" type="datetimeFigureOut">
               <a:rPr lang="en-IN" smtClean="0"/>
-              <a:t>26-12-2023</a:t>
+              <a:t>27-12-2023</a:t>
             </a:fld>
             <a:endParaRPr lang="en-IN"/>
           </a:p>
@@ -1489,7 +1491,7 @@
           <a:p>
             <a:fld id="{92622B4B-F6D7-4ED0-BDE1-EB881C8FD822}" type="datetimeFigureOut">
               <a:rPr lang="en-IN" smtClean="0"/>
-              <a:t>26-12-2023</a:t>
+              <a:t>27-12-2023</a:t>
             </a:fld>
             <a:endParaRPr lang="en-IN"/>
           </a:p>
@@ -1697,7 +1699,7 @@
           <a:p>
             <a:fld id="{92622B4B-F6D7-4ED0-BDE1-EB881C8FD822}" type="datetimeFigureOut">
               <a:rPr lang="en-IN" smtClean="0"/>
-              <a:t>26-12-2023</a:t>
+              <a:t>27-12-2023</a:t>
             </a:fld>
             <a:endParaRPr lang="en-IN"/>
           </a:p>
@@ -1895,7 +1897,7 @@
           <a:p>
             <a:fld id="{92622B4B-F6D7-4ED0-BDE1-EB881C8FD822}" type="datetimeFigureOut">
               <a:rPr lang="en-IN" smtClean="0"/>
-              <a:t>26-12-2023</a:t>
+              <a:t>27-12-2023</a:t>
             </a:fld>
             <a:endParaRPr lang="en-IN"/>
           </a:p>
@@ -2159,7 +2161,7 @@
           <a:p>
             <a:fld id="{92622B4B-F6D7-4ED0-BDE1-EB881C8FD822}" type="datetimeFigureOut">
               <a:rPr lang="en-IN" smtClean="0"/>
-              <a:t>26-12-2023</a:t>
+              <a:t>27-12-2023</a:t>
             </a:fld>
             <a:endParaRPr lang="en-IN"/>
           </a:p>
@@ -2667,7 +2669,7 @@
           <a:p>
             <a:fld id="{92622B4B-F6D7-4ED0-BDE1-EB881C8FD822}" type="datetimeFigureOut">
               <a:rPr lang="en-IN" smtClean="0"/>
-              <a:t>26-12-2023</a:t>
+              <a:t>27-12-2023</a:t>
             </a:fld>
             <a:endParaRPr lang="en-IN"/>
           </a:p>
@@ -3127,7 +3129,7 @@
           <a:p>
             <a:fld id="{92622B4B-F6D7-4ED0-BDE1-EB881C8FD822}" type="datetimeFigureOut">
               <a:rPr lang="en-IN" smtClean="0"/>
-              <a:t>26-12-2023</a:t>
+              <a:t>27-12-2023</a:t>
             </a:fld>
             <a:endParaRPr lang="en-IN"/>
           </a:p>
@@ -3257,7 +3259,7 @@
           <a:p>
             <a:fld id="{92622B4B-F6D7-4ED0-BDE1-EB881C8FD822}" type="datetimeFigureOut">
               <a:rPr lang="en-IN" smtClean="0"/>
-              <a:t>26-12-2023</a:t>
+              <a:t>27-12-2023</a:t>
             </a:fld>
             <a:endParaRPr lang="en-IN"/>
           </a:p>
@@ -3364,7 +3366,7 @@
           <a:p>
             <a:fld id="{92622B4B-F6D7-4ED0-BDE1-EB881C8FD822}" type="datetimeFigureOut">
               <a:rPr lang="en-IN" smtClean="0"/>
-              <a:t>26-12-2023</a:t>
+              <a:t>27-12-2023</a:t>
             </a:fld>
             <a:endParaRPr lang="en-IN"/>
           </a:p>
@@ -3662,7 +3664,7 @@
           <a:p>
             <a:fld id="{92622B4B-F6D7-4ED0-BDE1-EB881C8FD822}" type="datetimeFigureOut">
               <a:rPr lang="en-IN" smtClean="0"/>
-              <a:t>26-12-2023</a:t>
+              <a:t>27-12-2023</a:t>
             </a:fld>
             <a:endParaRPr lang="en-IN"/>
           </a:p>
@@ -3990,7 +3992,7 @@
           <a:p>
             <a:fld id="{92622B4B-F6D7-4ED0-BDE1-EB881C8FD822}" type="datetimeFigureOut">
               <a:rPr lang="en-IN" smtClean="0"/>
-              <a:t>26-12-2023</a:t>
+              <a:t>27-12-2023</a:t>
             </a:fld>
             <a:endParaRPr lang="en-IN"/>
           </a:p>
@@ -4317,7 +4319,7 @@
           <a:p>
             <a:fld id="{92622B4B-F6D7-4ED0-BDE1-EB881C8FD822}" type="datetimeFigureOut">
               <a:rPr lang="en-IN" smtClean="0"/>
-              <a:t>26-12-2023</a:t>
+              <a:t>27-12-2023</a:t>
             </a:fld>
             <a:endParaRPr lang="en-IN"/>
           </a:p>
@@ -5580,6 +5582,502 @@
     <p:extLst>
       <p:ext uri="{BB962C8B-B14F-4D97-AF65-F5344CB8AC3E}">
         <p14:creationId xmlns:p14="http://schemas.microsoft.com/office/powerpoint/2010/main" val="775535681"/>
+      </p:ext>
+    </p:extLst>
+  </p:cSld>
+  <p:clrMapOvr>
+    <a:masterClrMapping/>
+  </p:clrMapOvr>
+  <mc:AlternateContent xmlns:mc="http://schemas.openxmlformats.org/markup-compatibility/2006" xmlns:p14="http://schemas.microsoft.com/office/powerpoint/2010/main">
+    <mc:Choice Requires="p14">
+      <p:transition spd="med" p14:dur="700">
+        <p:fade/>
+      </p:transition>
+    </mc:Choice>
+    <mc:Fallback xmlns="">
+      <p:transition spd="med">
+        <p:fade/>
+      </p:transition>
+    </mc:Fallback>
+  </mc:AlternateContent>
+</p:sld>
+</file>
+
+<file path=ppt/slides/slide3.xml><?xml version="1.0" encoding="utf-8"?>
+<p:sld xmlns:a="http://schemas.openxmlformats.org/drawingml/2006/main" xmlns:r="http://schemas.openxmlformats.org/officeDocument/2006/relationships" xmlns:p="http://schemas.openxmlformats.org/presentationml/2006/main">
+  <p:cSld>
+    <p:spTree>
+      <p:nvGrpSpPr>
+        <p:cNvPr id="1" name=""/>
+        <p:cNvGrpSpPr/>
+        <p:nvPr/>
+      </p:nvGrpSpPr>
+      <p:grpSpPr>
+        <a:xfrm>
+          <a:off x="0" y="0"/>
+          <a:ext cx="0" cy="0"/>
+          <a:chOff x="0" y="0"/>
+          <a:chExt cx="0" cy="0"/>
+        </a:xfrm>
+      </p:grpSpPr>
+      <p:pic>
+        <p:nvPicPr>
+          <p:cNvPr id="10" name="Picture 9"/>
+          <p:cNvPicPr>
+            <a:picLocks noChangeAspect="1"/>
+          </p:cNvPicPr>
+          <p:nvPr/>
+        </p:nvPicPr>
+        <p:blipFill>
+          <a:blip r:embed="rId2"/>
+          <a:stretch>
+            <a:fillRect/>
+          </a:stretch>
+        </p:blipFill>
+        <p:spPr>
+          <a:xfrm>
+            <a:off x="516564" y="936382"/>
+            <a:ext cx="4938703" cy="5583114"/>
+          </a:xfrm>
+          <a:prstGeom prst="rect">
+            <a:avLst/>
+          </a:prstGeom>
+        </p:spPr>
+      </p:pic>
+      <p:pic>
+        <p:nvPicPr>
+          <p:cNvPr id="11" name="Picture 10"/>
+          <p:cNvPicPr>
+            <a:picLocks noChangeAspect="1"/>
+          </p:cNvPicPr>
+          <p:nvPr/>
+        </p:nvPicPr>
+        <p:blipFill>
+          <a:blip r:embed="rId3"/>
+          <a:stretch>
+            <a:fillRect/>
+          </a:stretch>
+        </p:blipFill>
+        <p:spPr>
+          <a:xfrm>
+            <a:off x="6102398" y="1002323"/>
+            <a:ext cx="5193680" cy="5517173"/>
+          </a:xfrm>
+          <a:prstGeom prst="rect">
+            <a:avLst/>
+          </a:prstGeom>
+        </p:spPr>
+      </p:pic>
+      <p:pic>
+        <p:nvPicPr>
+          <p:cNvPr id="2" name="Picture 1"/>
+          <p:cNvPicPr>
+            <a:picLocks noChangeAspect="1"/>
+          </p:cNvPicPr>
+          <p:nvPr/>
+        </p:nvPicPr>
+        <p:blipFill>
+          <a:blip r:embed="rId4"/>
+          <a:stretch>
+            <a:fillRect/>
+          </a:stretch>
+        </p:blipFill>
+        <p:spPr>
+          <a:xfrm>
+            <a:off x="5792892" y="1002323"/>
+            <a:ext cx="5812691" cy="5339494"/>
+          </a:xfrm>
+          <a:prstGeom prst="rect">
+            <a:avLst/>
+          </a:prstGeom>
+        </p:spPr>
+      </p:pic>
+      <p:pic>
+        <p:nvPicPr>
+          <p:cNvPr id="3" name="Picture 2"/>
+          <p:cNvPicPr>
+            <a:picLocks noChangeAspect="1"/>
+          </p:cNvPicPr>
+          <p:nvPr/>
+        </p:nvPicPr>
+        <p:blipFill>
+          <a:blip r:embed="rId5"/>
+          <a:stretch>
+            <a:fillRect/>
+          </a:stretch>
+        </p:blipFill>
+        <p:spPr>
+          <a:xfrm>
+            <a:off x="516564" y="936382"/>
+            <a:ext cx="4938703" cy="5583114"/>
+          </a:xfrm>
+          <a:prstGeom prst="rect">
+            <a:avLst/>
+          </a:prstGeom>
+        </p:spPr>
+      </p:pic>
+      <p:pic>
+        <p:nvPicPr>
+          <p:cNvPr id="5" name="Picture 4"/>
+          <p:cNvPicPr>
+            <a:picLocks noChangeAspect="1"/>
+          </p:cNvPicPr>
+          <p:nvPr/>
+        </p:nvPicPr>
+        <p:blipFill>
+          <a:blip r:embed="rId6"/>
+          <a:stretch>
+            <a:fillRect/>
+          </a:stretch>
+        </p:blipFill>
+        <p:spPr>
+          <a:xfrm>
+            <a:off x="5764773" y="1002322"/>
+            <a:ext cx="5911412" cy="5517173"/>
+          </a:xfrm>
+          <a:prstGeom prst="rect">
+            <a:avLst/>
+          </a:prstGeom>
+        </p:spPr>
+      </p:pic>
+      <p:pic>
+        <p:nvPicPr>
+          <p:cNvPr id="4" name="Picture 3"/>
+          <p:cNvPicPr>
+            <a:picLocks noChangeAspect="1"/>
+          </p:cNvPicPr>
+          <p:nvPr/>
+        </p:nvPicPr>
+        <p:blipFill>
+          <a:blip r:embed="rId7"/>
+          <a:stretch>
+            <a:fillRect/>
+          </a:stretch>
+        </p:blipFill>
+        <p:spPr>
+          <a:xfrm>
+            <a:off x="516564" y="936382"/>
+            <a:ext cx="5040174" cy="5583113"/>
+          </a:xfrm>
+          <a:prstGeom prst="rect">
+            <a:avLst/>
+          </a:prstGeom>
+        </p:spPr>
+      </p:pic>
+      <p:pic>
+        <p:nvPicPr>
+          <p:cNvPr id="6" name="Picture 5"/>
+          <p:cNvPicPr>
+            <a:picLocks noChangeAspect="1"/>
+          </p:cNvPicPr>
+          <p:nvPr/>
+        </p:nvPicPr>
+        <p:blipFill>
+          <a:blip r:embed="rId8"/>
+          <a:stretch>
+            <a:fillRect/>
+          </a:stretch>
+        </p:blipFill>
+        <p:spPr>
+          <a:xfrm>
+            <a:off x="5749338" y="850289"/>
+            <a:ext cx="5942281" cy="5643562"/>
+          </a:xfrm>
+          <a:prstGeom prst="rect">
+            <a:avLst/>
+          </a:prstGeom>
+        </p:spPr>
+      </p:pic>
+      <p:sp>
+        <p:nvSpPr>
+          <p:cNvPr id="9" name="TextBox 8"/>
+          <p:cNvSpPr txBox="1"/>
+          <p:nvPr/>
+        </p:nvSpPr>
+        <p:spPr>
+          <a:xfrm>
+            <a:off x="1160585" y="351692"/>
+            <a:ext cx="3261946" cy="369332"/>
+          </a:xfrm>
+          <a:prstGeom prst="rect">
+            <a:avLst/>
+          </a:prstGeom>
+          <a:noFill/>
+        </p:spPr>
+        <p:txBody>
+          <a:bodyPr wrap="square" rtlCol="0">
+            <a:spAutoFit/>
+          </a:bodyPr>
+          <a:lstStyle/>
+          <a:p>
+            <a:pPr algn="ctr"/>
+            <a:r>
+              <a:rPr lang="en-US" b="1" dirty="0" err="1">
+                <a:effectLst>
+                  <a:outerShdw blurRad="38100" dist="38100" dir="2700000" algn="tl">
+                    <a:srgbClr val="000000">
+                      <a:alpha val="43137"/>
+                    </a:srgbClr>
+                  </a:outerShdw>
+                </a:effectLst>
+              </a:rPr>
+              <a:t>Config</a:t>
+            </a:r>
+            <a:endParaRPr lang="en-IN" b="1" dirty="0">
+              <a:effectLst>
+                <a:outerShdw blurRad="38100" dist="38100" dir="2700000" algn="tl">
+                  <a:srgbClr val="000000">
+                    <a:alpha val="43137"/>
+                  </a:srgbClr>
+                </a:outerShdw>
+              </a:effectLst>
+            </a:endParaRPr>
+          </a:p>
+        </p:txBody>
+      </p:sp>
+      <p:sp>
+        <p:nvSpPr>
+          <p:cNvPr id="12" name="TextBox 11"/>
+          <p:cNvSpPr txBox="1"/>
+          <p:nvPr/>
+        </p:nvSpPr>
+        <p:spPr>
+          <a:xfrm>
+            <a:off x="7068265" y="351692"/>
+            <a:ext cx="3261946" cy="369332"/>
+          </a:xfrm>
+          <a:prstGeom prst="rect">
+            <a:avLst/>
+          </a:prstGeom>
+          <a:noFill/>
+        </p:spPr>
+        <p:txBody>
+          <a:bodyPr wrap="square" rtlCol="0">
+            <a:spAutoFit/>
+          </a:bodyPr>
+          <a:lstStyle/>
+          <a:p>
+            <a:pPr algn="ctr"/>
+            <a:r>
+              <a:rPr lang="en-US" b="1" dirty="0">
+                <a:effectLst>
+                  <a:outerShdw blurRad="38100" dist="38100" dir="2700000" algn="tl">
+                    <a:srgbClr val="000000">
+                      <a:alpha val="43137"/>
+                    </a:srgbClr>
+                  </a:outerShdw>
+                </a:effectLst>
+              </a:rPr>
+              <a:t>Summary of Testing </a:t>
+            </a:r>
+            <a:endParaRPr lang="en-IN" b="1" dirty="0">
+              <a:effectLst>
+                <a:outerShdw blurRad="38100" dist="38100" dir="2700000" algn="tl">
+                  <a:srgbClr val="000000">
+                    <a:alpha val="43137"/>
+                  </a:srgbClr>
+                </a:outerShdw>
+              </a:effectLst>
+            </a:endParaRPr>
+          </a:p>
+        </p:txBody>
+      </p:sp>
+      <p:pic>
+        <p:nvPicPr>
+          <p:cNvPr id="7" name="Picture 6"/>
+          <p:cNvPicPr>
+            <a:picLocks noChangeAspect="1"/>
+          </p:cNvPicPr>
+          <p:nvPr/>
+        </p:nvPicPr>
+        <p:blipFill>
+          <a:blip r:embed="rId9"/>
+          <a:stretch>
+            <a:fillRect/>
+          </a:stretch>
+        </p:blipFill>
+        <p:spPr>
+          <a:xfrm>
+            <a:off x="5749337" y="873057"/>
+            <a:ext cx="5959115" cy="5620794"/>
+          </a:xfrm>
+          <a:prstGeom prst="rect">
+            <a:avLst/>
+          </a:prstGeom>
+        </p:spPr>
+      </p:pic>
+      <p:pic>
+        <p:nvPicPr>
+          <p:cNvPr id="8" name="Picture 7"/>
+          <p:cNvPicPr>
+            <a:picLocks noChangeAspect="1"/>
+          </p:cNvPicPr>
+          <p:nvPr/>
+        </p:nvPicPr>
+        <p:blipFill>
+          <a:blip r:embed="rId10"/>
+          <a:stretch>
+            <a:fillRect/>
+          </a:stretch>
+        </p:blipFill>
+        <p:spPr>
+          <a:xfrm>
+            <a:off x="498446" y="936382"/>
+            <a:ext cx="4984941" cy="5557470"/>
+          </a:xfrm>
+          <a:prstGeom prst="rect">
+            <a:avLst/>
+          </a:prstGeom>
+        </p:spPr>
+      </p:pic>
+      <p:pic>
+        <p:nvPicPr>
+          <p:cNvPr id="14" name="Picture 13"/>
+          <p:cNvPicPr>
+            <a:picLocks noChangeAspect="1"/>
+          </p:cNvPicPr>
+          <p:nvPr/>
+        </p:nvPicPr>
+        <p:blipFill>
+          <a:blip r:embed="rId11"/>
+          <a:stretch>
+            <a:fillRect/>
+          </a:stretch>
+        </p:blipFill>
+        <p:spPr>
+          <a:xfrm>
+            <a:off x="516565" y="910738"/>
+            <a:ext cx="4994942" cy="5583113"/>
+          </a:xfrm>
+          <a:prstGeom prst="rect">
+            <a:avLst/>
+          </a:prstGeom>
+        </p:spPr>
+      </p:pic>
+      <p:pic>
+        <p:nvPicPr>
+          <p:cNvPr id="15" name="Picture 14"/>
+          <p:cNvPicPr>
+            <a:picLocks noChangeAspect="1"/>
+          </p:cNvPicPr>
+          <p:nvPr/>
+        </p:nvPicPr>
+        <p:blipFill>
+          <a:blip r:embed="rId12"/>
+          <a:stretch>
+            <a:fillRect/>
+          </a:stretch>
+        </p:blipFill>
+        <p:spPr>
+          <a:xfrm>
+            <a:off x="5747939" y="847413"/>
+            <a:ext cx="5928245" cy="5646438"/>
+          </a:xfrm>
+          <a:prstGeom prst="rect">
+            <a:avLst/>
+          </a:prstGeom>
+        </p:spPr>
+      </p:pic>
+      <p:pic>
+        <p:nvPicPr>
+          <p:cNvPr id="13" name="Picture 12"/>
+          <p:cNvPicPr>
+            <a:picLocks noChangeAspect="1"/>
+          </p:cNvPicPr>
+          <p:nvPr/>
+        </p:nvPicPr>
+        <p:blipFill>
+          <a:blip r:embed="rId13"/>
+          <a:stretch>
+            <a:fillRect/>
+          </a:stretch>
+        </p:blipFill>
+        <p:spPr>
+          <a:xfrm>
+            <a:off x="476965" y="936381"/>
+            <a:ext cx="5006422" cy="5557470"/>
+          </a:xfrm>
+          <a:prstGeom prst="rect">
+            <a:avLst/>
+          </a:prstGeom>
+        </p:spPr>
+      </p:pic>
+      <p:pic>
+        <p:nvPicPr>
+          <p:cNvPr id="17" name="Picture 16"/>
+          <p:cNvPicPr>
+            <a:picLocks noChangeAspect="1"/>
+          </p:cNvPicPr>
+          <p:nvPr/>
+        </p:nvPicPr>
+        <p:blipFill>
+          <a:blip r:embed="rId14"/>
+          <a:stretch>
+            <a:fillRect/>
+          </a:stretch>
+        </p:blipFill>
+        <p:spPr>
+          <a:xfrm>
+            <a:off x="5747938" y="873056"/>
+            <a:ext cx="5928246" cy="5620795"/>
+          </a:xfrm>
+          <a:prstGeom prst="rect">
+            <a:avLst/>
+          </a:prstGeom>
+        </p:spPr>
+      </p:pic>
+      <p:pic>
+        <p:nvPicPr>
+          <p:cNvPr id="16" name="Picture 15"/>
+          <p:cNvPicPr>
+            <a:picLocks noChangeAspect="1"/>
+          </p:cNvPicPr>
+          <p:nvPr/>
+        </p:nvPicPr>
+        <p:blipFill>
+          <a:blip r:embed="rId15"/>
+          <a:stretch>
+            <a:fillRect/>
+          </a:stretch>
+        </p:blipFill>
+        <p:spPr>
+          <a:xfrm>
+            <a:off x="476965" y="910737"/>
+            <a:ext cx="5021858" cy="5583114"/>
+          </a:xfrm>
+          <a:prstGeom prst="rect">
+            <a:avLst/>
+          </a:prstGeom>
+        </p:spPr>
+      </p:pic>
+      <p:pic>
+        <p:nvPicPr>
+          <p:cNvPr id="18" name="Picture 17"/>
+          <p:cNvPicPr>
+            <a:picLocks noChangeAspect="1"/>
+          </p:cNvPicPr>
+          <p:nvPr/>
+        </p:nvPicPr>
+        <p:blipFill>
+          <a:blip r:embed="rId16"/>
+          <a:stretch>
+            <a:fillRect/>
+          </a:stretch>
+        </p:blipFill>
+        <p:spPr>
+          <a:xfrm>
+            <a:off x="5747938" y="847413"/>
+            <a:ext cx="6013804" cy="5672082"/>
+          </a:xfrm>
+          <a:prstGeom prst="rect">
+            <a:avLst/>
+          </a:prstGeom>
+        </p:spPr>
+      </p:pic>
+    </p:spTree>
+    <p:extLst>
+      <p:ext uri="{BB962C8B-B14F-4D97-AF65-F5344CB8AC3E}">
+        <p14:creationId xmlns:p14="http://schemas.microsoft.com/office/powerpoint/2010/main" val="2054903582"/>
       </p:ext>
     </p:extLst>
   </p:cSld>
